--- a/Tue-Thr/DS-Day-14 R.pptx
+++ b/Tue-Thr/DS-Day-14 R.pptx
@@ -200,7 +200,7 @@
           <a:p>
             <a:fld id="{22783AA6-C1EF-448D-A48A-EF30DCBEFCCC}" type="datetimeFigureOut">
               <a:rPr lang="en-US" smtClean="0"/>
-              <a:t>11/5/2018</a:t>
+              <a:t>11/6/2018</a:t>
             </a:fld>
             <a:endParaRPr lang="en-US"/>
           </a:p>
@@ -1018,7 +1018,7 @@
           <a:p>
             <a:fld id="{C14F4D0B-68E4-4C14-BD4D-319F9BD213A3}" type="datetimeFigureOut">
               <a:rPr lang="ru-RU" smtClean="0"/>
-              <a:t>05.11.2018</a:t>
+              <a:t>06.11.2018</a:t>
             </a:fld>
             <a:endParaRPr lang="ru-RU"/>
           </a:p>
@@ -1188,7 +1188,7 @@
           <a:p>
             <a:fld id="{C14F4D0B-68E4-4C14-BD4D-319F9BD213A3}" type="datetimeFigureOut">
               <a:rPr lang="ru-RU" smtClean="0"/>
-              <a:t>05.11.2018</a:t>
+              <a:t>06.11.2018</a:t>
             </a:fld>
             <a:endParaRPr lang="ru-RU"/>
           </a:p>
@@ -1368,7 +1368,7 @@
           <a:p>
             <a:fld id="{C14F4D0B-68E4-4C14-BD4D-319F9BD213A3}" type="datetimeFigureOut">
               <a:rPr lang="ru-RU" smtClean="0"/>
-              <a:t>05.11.2018</a:t>
+              <a:t>06.11.2018</a:t>
             </a:fld>
             <a:endParaRPr lang="ru-RU"/>
           </a:p>
@@ -1538,7 +1538,7 @@
           <a:p>
             <a:fld id="{C14F4D0B-68E4-4C14-BD4D-319F9BD213A3}" type="datetimeFigureOut">
               <a:rPr lang="ru-RU" smtClean="0"/>
-              <a:t>05.11.2018</a:t>
+              <a:t>06.11.2018</a:t>
             </a:fld>
             <a:endParaRPr lang="ru-RU"/>
           </a:p>
@@ -1789,7 +1789,7 @@
           <a:p>
             <a:fld id="{C14F4D0B-68E4-4C14-BD4D-319F9BD213A3}" type="datetimeFigureOut">
               <a:rPr lang="ru-RU" smtClean="0"/>
-              <a:t>05.11.2018</a:t>
+              <a:t>06.11.2018</a:t>
             </a:fld>
             <a:endParaRPr lang="ru-RU"/>
           </a:p>
@@ -2021,7 +2021,7 @@
           <a:p>
             <a:fld id="{C14F4D0B-68E4-4C14-BD4D-319F9BD213A3}" type="datetimeFigureOut">
               <a:rPr lang="ru-RU" smtClean="0"/>
-              <a:t>05.11.2018</a:t>
+              <a:t>06.11.2018</a:t>
             </a:fld>
             <a:endParaRPr lang="ru-RU"/>
           </a:p>
@@ -2368,7 +2368,7 @@
           <a:p>
             <a:fld id="{C14F4D0B-68E4-4C14-BD4D-319F9BD213A3}" type="datetimeFigureOut">
               <a:rPr lang="ru-RU" smtClean="0"/>
-              <a:t>05.11.2018</a:t>
+              <a:t>06.11.2018</a:t>
             </a:fld>
             <a:endParaRPr lang="ru-RU"/>
           </a:p>
@@ -2486,7 +2486,7 @@
           <a:p>
             <a:fld id="{C14F4D0B-68E4-4C14-BD4D-319F9BD213A3}" type="datetimeFigureOut">
               <a:rPr lang="ru-RU" smtClean="0"/>
-              <a:t>05.11.2018</a:t>
+              <a:t>06.11.2018</a:t>
             </a:fld>
             <a:endParaRPr lang="ru-RU"/>
           </a:p>
@@ -2604,7 +2604,7 @@
           <a:p>
             <a:fld id="{C14F4D0B-68E4-4C14-BD4D-319F9BD213A3}" type="datetimeFigureOut">
               <a:rPr lang="ru-RU" smtClean="0"/>
-              <a:t>05.11.2018</a:t>
+              <a:t>06.11.2018</a:t>
             </a:fld>
             <a:endParaRPr lang="ru-RU"/>
           </a:p>
@@ -2888,7 +2888,7 @@
           <a:p>
             <a:fld id="{C14F4D0B-68E4-4C14-BD4D-319F9BD213A3}" type="datetimeFigureOut">
               <a:rPr lang="ru-RU" smtClean="0"/>
-              <a:t>05.11.2018</a:t>
+              <a:t>06.11.2018</a:t>
             </a:fld>
             <a:endParaRPr lang="ru-RU"/>
           </a:p>
@@ -3152,7 +3152,7 @@
           <a:p>
             <a:fld id="{C14F4D0B-68E4-4C14-BD4D-319F9BD213A3}" type="datetimeFigureOut">
               <a:rPr lang="ru-RU" smtClean="0"/>
-              <a:t>05.11.2018</a:t>
+              <a:t>06.11.2018</a:t>
             </a:fld>
             <a:endParaRPr lang="ru-RU"/>
           </a:p>
@@ -3366,7 +3366,7 @@
           <a:p>
             <a:fld id="{C14F4D0B-68E4-4C14-BD4D-319F9BD213A3}" type="datetimeFigureOut">
               <a:rPr lang="ru-RU" smtClean="0"/>
-              <a:t>05.11.2018</a:t>
+              <a:t>06.11.2018</a:t>
             </a:fld>
             <a:endParaRPr lang="ru-RU"/>
           </a:p>
@@ -5196,17 +5196,7 @@
                 <a:latin typeface="Arial" pitchFamily="34" charset="0"/>
                 <a:cs typeface="Arial" pitchFamily="34" charset="0"/>
               </a:rPr>
-              <a:t>Задание </a:t>
-            </a:r>
-            <a:r>
-              <a:rPr lang="ru-RU" sz="3600" b="1" dirty="0" smtClean="0">
-                <a:solidFill>
-                  <a:srgbClr val="0064B5"/>
-                </a:solidFill>
-                <a:latin typeface="Arial" pitchFamily="34" charset="0"/>
-                <a:cs typeface="Arial" pitchFamily="34" charset="0"/>
-              </a:rPr>
-              <a:t>1</a:t>
+              <a:t>Задание 1</a:t>
             </a:r>
             <a:endParaRPr lang="ru-RU" sz="3600" b="1" dirty="0">
               <a:solidFill>
@@ -5303,17 +5293,7 @@
                 <a:latin typeface="Arial" pitchFamily="34" charset="0"/>
                 <a:cs typeface="Arial" pitchFamily="34" charset="0"/>
               </a:rPr>
-              <a:t>Задание </a:t>
-            </a:r>
-            <a:r>
-              <a:rPr lang="ru-RU" sz="3600" b="1" dirty="0" smtClean="0">
-                <a:solidFill>
-                  <a:srgbClr val="0064B5"/>
-                </a:solidFill>
-                <a:latin typeface="Arial" pitchFamily="34" charset="0"/>
-                <a:cs typeface="Arial" pitchFamily="34" charset="0"/>
-              </a:rPr>
-              <a:t>2</a:t>
+              <a:t>Задание 2</a:t>
             </a:r>
             <a:endParaRPr lang="ru-RU" sz="3600" b="1" dirty="0">
               <a:solidFill>
@@ -5334,7 +5314,7 @@
         <p:spPr>
           <a:xfrm>
             <a:off x="240030" y="3421049"/>
-            <a:ext cx="8649820" cy="2677656"/>
+            <a:ext cx="8649820" cy="3046988"/>
           </a:xfrm>
           <a:prstGeom prst="rect">
             <a:avLst/>
@@ -5390,6 +5370,20 @@
             <a:r>
               <a:rPr lang="ru-RU" sz="2400" dirty="0" smtClean="0"/>
               <a:t>Построить карту, где размещена информация с среднемесячной заработной платой, отображаемой пузырьками в областных центрах.  </a:t>
+            </a:r>
+            <a:endParaRPr lang="ru-RU" sz="2400" dirty="0" smtClean="0"/>
+          </a:p>
+          <a:p>
+            <a:pPr marL="457200" indent="-457200">
+              <a:buAutoNum type="arabicPeriod"/>
+            </a:pPr>
+            <a:r>
+              <a:rPr lang="ru-RU" sz="2400" dirty="0" smtClean="0"/>
+              <a:t>Побить зарплаты на 5 кластеров</a:t>
+            </a:r>
+            <a:r>
+              <a:rPr lang="ru-RU" sz="2400" smtClean="0"/>
+              <a:t>, отобразить на карте.</a:t>
             </a:r>
             <a:endParaRPr lang="ru-RU" sz="2400" dirty="0"/>
           </a:p>
